--- a/07_DataModel/07_DataModel.pptx
+++ b/07_DataModel/07_DataModel.pptx
@@ -5,7 +5,7 @@
     <p:sldMasterId id="2147483648" r:id="rId1"/>
   </p:sldMasterIdLst>
   <p:notesMasterIdLst>
-    <p:notesMasterId r:id="rId13"/>
+    <p:notesMasterId r:id="rId14"/>
   </p:notesMasterIdLst>
   <p:sldIdLst>
     <p:sldId id="256" r:id="rId2"/>
@@ -16,9 +16,10 @@
     <p:sldId id="267" r:id="rId7"/>
     <p:sldId id="269" r:id="rId8"/>
     <p:sldId id="270" r:id="rId9"/>
-    <p:sldId id="271" r:id="rId10"/>
-    <p:sldId id="272" r:id="rId11"/>
-    <p:sldId id="259" r:id="rId12"/>
+    <p:sldId id="273" r:id="rId10"/>
+    <p:sldId id="271" r:id="rId11"/>
+    <p:sldId id="272" r:id="rId12"/>
+    <p:sldId id="259" r:id="rId13"/>
   </p:sldIdLst>
   <p:sldSz cx="9144000" cy="6858000" type="screen4x3"/>
   <p:notesSz cx="6858000" cy="9144000"/>
@@ -3606,6 +3607,41 @@
           <a:chExt cx="0" cy="0"/>
         </a:xfrm>
       </p:grpSpPr>
+      <p:pic>
+        <p:nvPicPr>
+          <p:cNvPr id="11" name="Picture 10">
+            <a:extLst>
+              <a:ext uri="{FF2B5EF4-FFF2-40B4-BE49-F238E27FC236}">
+                <a16:creationId xmlns:a16="http://schemas.microsoft.com/office/drawing/2014/main" id="{AA6331F3-3E25-4817-AB77-BA37F4783DD9}"/>
+              </a:ext>
+            </a:extLst>
+          </p:cNvPr>
+          <p:cNvPicPr>
+            <a:picLocks noChangeAspect="1"/>
+          </p:cNvPicPr>
+          <p:nvPr/>
+        </p:nvPicPr>
+        <p:blipFill>
+          <a:blip r:embed="rId2"/>
+          <a:stretch>
+            <a:fillRect/>
+          </a:stretch>
+        </p:blipFill>
+        <p:spPr>
+          <a:xfrm>
+            <a:off x="1979712" y="2539484"/>
+            <a:ext cx="5638997" cy="2344212"/>
+          </a:xfrm>
+          <a:prstGeom prst="rect">
+            <a:avLst/>
+          </a:prstGeom>
+          <a:ln>
+            <a:solidFill>
+              <a:srgbClr val="C00000"/>
+            </a:solidFill>
+          </a:ln>
+        </p:spPr>
+      </p:pic>
       <p:sp>
         <p:nvSpPr>
           <p:cNvPr id="2" name="標題 1"/>
@@ -3681,8 +3717,8 @@
         </p:nvSpPr>
         <p:spPr>
           <a:xfrm>
-            <a:off x="501534" y="1372852"/>
-            <a:ext cx="8102914" cy="1302349"/>
+            <a:off x="501534" y="1372853"/>
+            <a:ext cx="8102914" cy="832012"/>
           </a:xfrm>
           <a:ln>
             <a:solidFill>
@@ -3710,7 +3746,23 @@
                   <a:schemeClr val="tx1"/>
                 </a:solidFill>
               </a:rPr>
-              <a:t>This means that whenever we delete the Album red, any songs that were linked to that, will be deleted as well.</a:t>
+              <a:t>Next is the file type. This can be the mp3, </a:t>
+            </a:r>
+            <a:r>
+              <a:rPr lang="en-US" sz="1800" dirty="0" err="1">
+                <a:solidFill>
+                  <a:schemeClr val="tx1"/>
+                </a:solidFill>
+              </a:rPr>
+              <a:t>avi</a:t>
+            </a:r>
+            <a:r>
+              <a:rPr lang="en-US" sz="1800" dirty="0">
+                <a:solidFill>
+                  <a:schemeClr val="tx1"/>
+                </a:solidFill>
+              </a:rPr>
+              <a:t>, or wav.</a:t>
             </a:r>
           </a:p>
           <a:p>
@@ -3728,7 +3780,23 @@
                   <a:schemeClr val="tx1"/>
                 </a:solidFill>
               </a:rPr>
-              <a:t>In some program, you can keep the songs when Album is deleted. In this case, the songs are deleted together when the album is deleted.</a:t>
+              <a:t>You have the </a:t>
+            </a:r>
+            <a:r>
+              <a:rPr lang="en-US" sz="1800" dirty="0" err="1">
+                <a:solidFill>
+                  <a:schemeClr val="tx1"/>
+                </a:solidFill>
+              </a:rPr>
+              <a:t>song_title</a:t>
+            </a:r>
+            <a:r>
+              <a:rPr lang="en-US" sz="1800" dirty="0">
+                <a:solidFill>
+                  <a:schemeClr val="tx1"/>
+                </a:solidFill>
+              </a:rPr>
+              <a:t>.</a:t>
             </a:r>
           </a:p>
         </p:txBody>
@@ -3785,7 +3853,7 @@
             <a:pPr marL="0" lvl="1"/>
             <a:r>
               <a:rPr lang="en-US" sz="1600" dirty="0">
-                <a:hlinkClick r:id="rId2"/>
+                <a:hlinkClick r:id="rId3"/>
               </a:rPr>
               <a:t>https://www.youtube.com/watch?v=UpssHYl6bjA&amp;list=PL6gx4Cwl9DGBlmzzFcLgDhKTTfNLfX1IK&amp;index=7</a:t>
             </a:r>
@@ -3851,47 +3919,12 @@
           </a:p>
         </p:txBody>
       </p:sp>
-      <p:pic>
-        <p:nvPicPr>
-          <p:cNvPr id="7" name="Picture 6">
+      <p:sp>
+        <p:nvSpPr>
+          <p:cNvPr id="13" name="Rectangle 12">
             <a:extLst>
               <a:ext uri="{FF2B5EF4-FFF2-40B4-BE49-F238E27FC236}">
-                <a16:creationId xmlns:a16="http://schemas.microsoft.com/office/drawing/2014/main" id="{0BAEEFD7-EB2B-47D0-904F-ADE1E89CAC57}"/>
-              </a:ext>
-            </a:extLst>
-          </p:cNvPr>
-          <p:cNvPicPr>
-            <a:picLocks noChangeAspect="1"/>
-          </p:cNvPicPr>
-          <p:nvPr/>
-        </p:nvPicPr>
-        <p:blipFill>
-          <a:blip r:embed="rId3"/>
-          <a:stretch>
-            <a:fillRect/>
-          </a:stretch>
-        </p:blipFill>
-        <p:spPr>
-          <a:xfrm>
-            <a:off x="2267744" y="3056273"/>
-            <a:ext cx="5486400" cy="2428875"/>
-          </a:xfrm>
-          <a:prstGeom prst="rect">
-            <a:avLst/>
-          </a:prstGeom>
-          <a:ln>
-            <a:solidFill>
-              <a:srgbClr val="C00000"/>
-            </a:solidFill>
-          </a:ln>
-        </p:spPr>
-      </p:pic>
-      <p:sp>
-        <p:nvSpPr>
-          <p:cNvPr id="9" name="Rectangle 8">
-            <a:extLst>
-              <a:ext uri="{FF2B5EF4-FFF2-40B4-BE49-F238E27FC236}">
-                <a16:creationId xmlns:a16="http://schemas.microsoft.com/office/drawing/2014/main" id="{0315F707-4082-49DA-B898-ADF5BD5C2497}"/>
+                <a16:creationId xmlns:a16="http://schemas.microsoft.com/office/drawing/2014/main" id="{BE574841-A0CB-4830-9D5E-B061EB5165AB}"/>
               </a:ext>
             </a:extLst>
           </p:cNvPr>
@@ -3900,8 +3933,8 @@
         </p:nvSpPr>
         <p:spPr>
           <a:xfrm>
-            <a:off x="2771800" y="3694647"/>
-            <a:ext cx="2160240" cy="432048"/>
+            <a:off x="2771801" y="4359216"/>
+            <a:ext cx="4320480" cy="513032"/>
           </a:xfrm>
           <a:prstGeom prst="rect">
             <a:avLst/>
@@ -3938,62 +3971,10 @@
           </a:p>
         </p:txBody>
       </p:sp>
-      <p:sp>
-        <p:nvSpPr>
-          <p:cNvPr id="13" name="Rectangle 12">
-            <a:extLst>
-              <a:ext uri="{FF2B5EF4-FFF2-40B4-BE49-F238E27FC236}">
-                <a16:creationId xmlns:a16="http://schemas.microsoft.com/office/drawing/2014/main" id="{BE574841-A0CB-4830-9D5E-B061EB5165AB}"/>
-              </a:ext>
-            </a:extLst>
-          </p:cNvPr>
-          <p:cNvSpPr/>
-          <p:nvPr/>
-        </p:nvSpPr>
-        <p:spPr>
-          <a:xfrm>
-            <a:off x="2824798" y="4966769"/>
-            <a:ext cx="4771537" cy="432048"/>
-          </a:xfrm>
-          <a:prstGeom prst="rect">
-            <a:avLst/>
-          </a:prstGeom>
-          <a:noFill/>
-          <a:ln>
-            <a:solidFill>
-              <a:srgbClr val="C00000"/>
-            </a:solidFill>
-          </a:ln>
-        </p:spPr>
-        <p:style>
-          <a:lnRef idx="2">
-            <a:schemeClr val="accent1">
-              <a:shade val="50000"/>
-            </a:schemeClr>
-          </a:lnRef>
-          <a:fillRef idx="1">
-            <a:schemeClr val="accent1"/>
-          </a:fillRef>
-          <a:effectRef idx="0">
-            <a:schemeClr val="accent1"/>
-          </a:effectRef>
-          <a:fontRef idx="minor">
-            <a:schemeClr val="lt1"/>
-          </a:fontRef>
-        </p:style>
-        <p:txBody>
-          <a:bodyPr rtlCol="0" anchor="ctr"/>
-          <a:lstStyle/>
-          <a:p>
-            <a:pPr algn="ctr"/>
-            <a:endParaRPr lang="en-US"/>
-          </a:p>
-        </p:txBody>
-      </p:sp>
     </p:spTree>
     <p:extLst>
       <p:ext uri="{BB962C8B-B14F-4D97-AF65-F5344CB8AC3E}">
-        <p14:creationId xmlns:p14="http://schemas.microsoft.com/office/powerpoint/2010/main" val="2010146170"/>
+        <p14:creationId xmlns:p14="http://schemas.microsoft.com/office/powerpoint/2010/main" val="1005861437"/>
       </p:ext>
     </p:extLst>
   </p:cSld>
@@ -4020,6 +4001,41 @@
           <a:chExt cx="0" cy="0"/>
         </a:xfrm>
       </p:grpSpPr>
+      <p:pic>
+        <p:nvPicPr>
+          <p:cNvPr id="10" name="Picture 9">
+            <a:extLst>
+              <a:ext uri="{FF2B5EF4-FFF2-40B4-BE49-F238E27FC236}">
+                <a16:creationId xmlns:a16="http://schemas.microsoft.com/office/drawing/2014/main" id="{D0A0265E-A268-4E74-AA0B-3D80F32DC668}"/>
+              </a:ext>
+            </a:extLst>
+          </p:cNvPr>
+          <p:cNvPicPr>
+            <a:picLocks noChangeAspect="1"/>
+          </p:cNvPicPr>
+          <p:nvPr/>
+        </p:nvPicPr>
+        <p:blipFill>
+          <a:blip r:embed="rId2"/>
+          <a:stretch>
+            <a:fillRect/>
+          </a:stretch>
+        </p:blipFill>
+        <p:spPr>
+          <a:xfrm>
+            <a:off x="2195736" y="3123776"/>
+            <a:ext cx="5638997" cy="2344212"/>
+          </a:xfrm>
+          <a:prstGeom prst="rect">
+            <a:avLst/>
+          </a:prstGeom>
+          <a:ln>
+            <a:solidFill>
+              <a:srgbClr val="C00000"/>
+            </a:solidFill>
+          </a:ln>
+        </p:spPr>
+      </p:pic>
       <p:sp>
         <p:nvSpPr>
           <p:cNvPr id="2" name="標題 1"/>
@@ -4032,9 +4048,137 @@
         </p:nvSpPr>
         <p:spPr>
           <a:xfrm>
-            <a:off x="0" y="2130425"/>
-            <a:ext cx="9144000" cy="1470025"/>
-          </a:xfrm>
+            <a:off x="0" y="1"/>
+            <a:ext cx="9144000" cy="764704"/>
+          </a:xfrm>
+          <a:gradFill flip="none" rotWithShape="1">
+            <a:gsLst>
+              <a:gs pos="0">
+                <a:srgbClr val="C00000">
+                  <a:shade val="30000"/>
+                  <a:satMod val="115000"/>
+                </a:srgbClr>
+              </a:gs>
+              <a:gs pos="50000">
+                <a:srgbClr val="C00000">
+                  <a:shade val="67500"/>
+                  <a:satMod val="115000"/>
+                </a:srgbClr>
+              </a:gs>
+              <a:gs pos="100000">
+                <a:srgbClr val="C00000">
+                  <a:shade val="100000"/>
+                  <a:satMod val="115000"/>
+                </a:srgbClr>
+              </a:gs>
+            </a:gsLst>
+            <a:path path="circle">
+              <a:fillToRect t="100000" r="100000"/>
+            </a:path>
+            <a:tileRect l="-100000" b="-100000"/>
+          </a:gradFill>
+        </p:spPr>
+        <p:txBody>
+          <a:bodyPr/>
+          <a:lstStyle/>
+          <a:p>
+            <a:pPr algn="l"/>
+            <a:r>
+              <a:rPr lang="en-US" altLang="zh-TW" b="1" dirty="0">
+                <a:solidFill>
+                  <a:srgbClr val="FFFF00"/>
+                </a:solidFill>
+              </a:rPr>
+              <a:t>7 Data Model</a:t>
+            </a:r>
+            <a:endParaRPr lang="zh-TW" altLang="en-US" b="1" dirty="0">
+              <a:solidFill>
+                <a:srgbClr val="FFFF00"/>
+              </a:solidFill>
+            </a:endParaRPr>
+          </a:p>
+        </p:txBody>
+      </p:sp>
+      <p:sp>
+        <p:nvSpPr>
+          <p:cNvPr id="3" name="副標題 2"/>
+          <p:cNvSpPr>
+            <a:spLocks noGrp="1"/>
+          </p:cNvSpPr>
+          <p:nvPr>
+            <p:ph type="subTitle" idx="1"/>
+          </p:nvPr>
+        </p:nvSpPr>
+        <p:spPr>
+          <a:xfrm>
+            <a:off x="501534" y="1372852"/>
+            <a:ext cx="8102914" cy="1302349"/>
+          </a:xfrm>
+          <a:ln>
+            <a:solidFill>
+              <a:srgbClr val="C00000"/>
+            </a:solidFill>
+          </a:ln>
+        </p:spPr>
+        <p:txBody>
+          <a:bodyPr>
+            <a:noAutofit/>
+          </a:bodyPr>
+          <a:lstStyle/>
+          <a:p>
+            <a:pPr marL="342900" indent="-342900" algn="l">
+              <a:buClr>
+                <a:srgbClr val="0070C0"/>
+              </a:buClr>
+              <a:buSzPct val="80000"/>
+              <a:buFont typeface="Wingdings" pitchFamily="2" charset="2"/>
+              <a:buChar char="u"/>
+            </a:pPr>
+            <a:r>
+              <a:rPr lang="en-US" sz="1800" dirty="0">
+                <a:solidFill>
+                  <a:schemeClr val="tx1"/>
+                </a:solidFill>
+              </a:rPr>
+              <a:t>This means that whenever we delete the Album red, any songs that were linked to that, will be deleted as well.</a:t>
+            </a:r>
+          </a:p>
+          <a:p>
+            <a:pPr marL="342900" indent="-342900" algn="l">
+              <a:buClr>
+                <a:srgbClr val="0070C0"/>
+              </a:buClr>
+              <a:buSzPct val="80000"/>
+              <a:buFont typeface="Wingdings" pitchFamily="2" charset="2"/>
+              <a:buChar char="u"/>
+            </a:pPr>
+            <a:r>
+              <a:rPr lang="en-US" sz="1800" dirty="0">
+                <a:solidFill>
+                  <a:schemeClr val="tx1"/>
+                </a:solidFill>
+              </a:rPr>
+              <a:t>In some program, you can keep the songs when Album is deleted. In this case, the songs are deleted together when the album is deleted.</a:t>
+            </a:r>
+          </a:p>
+        </p:txBody>
+      </p:sp>
+      <p:sp>
+        <p:nvSpPr>
+          <p:cNvPr id="4" name="標題 1"/>
+          <p:cNvSpPr txBox="1">
+            <a:spLocks/>
+          </p:cNvSpPr>
+          <p:nvPr/>
+        </p:nvSpPr>
+        <p:spPr>
+          <a:xfrm>
+            <a:off x="0" y="764704"/>
+            <a:ext cx="9144000" cy="398616"/>
+          </a:xfrm>
+          <a:prstGeom prst="rect">
+            <a:avLst/>
+          </a:prstGeom>
           <a:gradFill flip="none" rotWithShape="1">
             <a:gsLst>
               <a:gs pos="0">
@@ -4063,6 +4207,153 @@
           </a:gradFill>
         </p:spPr>
         <p:txBody>
+          <a:bodyPr vert="horz" lIns="91440" tIns="45720" rIns="91440" bIns="45720" rtlCol="0" anchor="ctr">
+            <a:normAutofit/>
+          </a:bodyPr>
+          <a:lstStyle/>
+          <a:p>
+            <a:pPr marL="0" lvl="1"/>
+            <a:r>
+              <a:rPr lang="en-US" sz="1600" dirty="0">
+                <a:hlinkClick r:id="rId3"/>
+              </a:rPr>
+              <a:t>https://www.youtube.com/watch?v=UpssHYl6bjA&amp;list=PL6gx4Cwl9DGBlmzzFcLgDhKTTfNLfX1IK&amp;index=7</a:t>
+            </a:r>
+            <a:endParaRPr lang="en-US" sz="1600" dirty="0"/>
+          </a:p>
+        </p:txBody>
+      </p:sp>
+      <p:sp>
+        <p:nvSpPr>
+          <p:cNvPr id="5" name="日期版面配置區 4"/>
+          <p:cNvSpPr>
+            <a:spLocks noGrp="1"/>
+          </p:cNvSpPr>
+          <p:nvPr>
+            <p:ph type="dt" sz="half" idx="10"/>
+          </p:nvPr>
+        </p:nvSpPr>
+        <p:spPr>
+          <a:xfrm>
+            <a:off x="457200" y="6356350"/>
+            <a:ext cx="2133600" cy="404246"/>
+          </a:xfrm>
+        </p:spPr>
+        <p:txBody>
+          <a:bodyPr/>
+          <a:lstStyle/>
+          <a:p>
+            <a:fld id="{A4F910E6-8D00-4BAF-8C48-9688E0B449D3}" type="datetime1">
+              <a:rPr lang="zh-TW" altLang="en-US" smtClean="0"/>
+              <a:pPr/>
+              <a:t>2019/5/24</a:t>
+            </a:fld>
+            <a:endParaRPr lang="zh-TW" altLang="en-US"/>
+          </a:p>
+        </p:txBody>
+      </p:sp>
+      <p:sp>
+        <p:nvSpPr>
+          <p:cNvPr id="6" name="投影片編號版面配置區 5"/>
+          <p:cNvSpPr>
+            <a:spLocks noGrp="1"/>
+          </p:cNvSpPr>
+          <p:nvPr>
+            <p:ph type="sldNum" sz="quarter" idx="12"/>
+          </p:nvPr>
+        </p:nvSpPr>
+        <p:spPr>
+          <a:xfrm>
+            <a:off x="6553200" y="6356350"/>
+            <a:ext cx="2133600" cy="404246"/>
+          </a:xfrm>
+        </p:spPr>
+        <p:txBody>
+          <a:bodyPr/>
+          <a:lstStyle/>
+          <a:p>
+            <a:fld id="{E4D7E63D-91F2-4366-A2C4-1B00C9E2590E}" type="slidenum">
+              <a:rPr lang="zh-TW" altLang="en-US" smtClean="0"/>
+              <a:pPr/>
+              <a:t>11</a:t>
+            </a:fld>
+            <a:endParaRPr lang="zh-TW" altLang="en-US"/>
+          </a:p>
+        </p:txBody>
+      </p:sp>
+    </p:spTree>
+    <p:extLst>
+      <p:ext uri="{BB962C8B-B14F-4D97-AF65-F5344CB8AC3E}">
+        <p14:creationId xmlns:p14="http://schemas.microsoft.com/office/powerpoint/2010/main" val="2010146170"/>
+      </p:ext>
+    </p:extLst>
+  </p:cSld>
+  <p:clrMapOvr>
+    <a:masterClrMapping/>
+  </p:clrMapOvr>
+</p:sld>
+</file>
+
+<file path=ppt/slides/slide12.xml><?xml version="1.0" encoding="utf-8"?>
+<p:sld xmlns:a="http://schemas.openxmlformats.org/drawingml/2006/main" xmlns:r="http://schemas.openxmlformats.org/officeDocument/2006/relationships" xmlns:p="http://schemas.openxmlformats.org/presentationml/2006/main">
+  <p:cSld>
+    <p:spTree>
+      <p:nvGrpSpPr>
+        <p:cNvPr id="1" name=""/>
+        <p:cNvGrpSpPr/>
+        <p:nvPr/>
+      </p:nvGrpSpPr>
+      <p:grpSpPr>
+        <a:xfrm>
+          <a:off x="0" y="0"/>
+          <a:ext cx="0" cy="0"/>
+          <a:chOff x="0" y="0"/>
+          <a:chExt cx="0" cy="0"/>
+        </a:xfrm>
+      </p:grpSpPr>
+      <p:sp>
+        <p:nvSpPr>
+          <p:cNvPr id="2" name="標題 1"/>
+          <p:cNvSpPr>
+            <a:spLocks noGrp="1"/>
+          </p:cNvSpPr>
+          <p:nvPr>
+            <p:ph type="ctrTitle"/>
+          </p:nvPr>
+        </p:nvSpPr>
+        <p:spPr>
+          <a:xfrm>
+            <a:off x="0" y="2130425"/>
+            <a:ext cx="9144000" cy="1470025"/>
+          </a:xfrm>
+          <a:gradFill flip="none" rotWithShape="1">
+            <a:gsLst>
+              <a:gs pos="0">
+                <a:srgbClr val="00B0F0">
+                  <a:shade val="30000"/>
+                  <a:satMod val="115000"/>
+                </a:srgbClr>
+              </a:gs>
+              <a:gs pos="50000">
+                <a:srgbClr val="00B0F0">
+                  <a:shade val="67500"/>
+                  <a:satMod val="115000"/>
+                </a:srgbClr>
+              </a:gs>
+              <a:gs pos="100000">
+                <a:srgbClr val="00B0F0">
+                  <a:shade val="100000"/>
+                  <a:satMod val="115000"/>
+                </a:srgbClr>
+              </a:gs>
+            </a:gsLst>
+            <a:path path="circle">
+              <a:fillToRect t="100000" r="100000"/>
+            </a:path>
+            <a:tileRect l="-100000" b="-100000"/>
+          </a:gradFill>
+        </p:spPr>
+        <p:txBody>
           <a:bodyPr>
             <a:normAutofit/>
           </a:bodyPr>
@@ -4126,7 +4417,7 @@
             <a:fld id="{E4D7E63D-91F2-4366-A2C4-1B00C9E2590E}" type="slidenum">
               <a:rPr lang="zh-TW" altLang="en-US" smtClean="0"/>
               <a:pPr/>
-              <a:t>11</a:t>
+              <a:t>12</a:t>
             </a:fld>
             <a:endParaRPr lang="zh-TW" altLang="en-US"/>
           </a:p>
@@ -5040,10 +5331,10 @@
       </p:grpSpPr>
       <p:pic>
         <p:nvPicPr>
-          <p:cNvPr id="11" name="Picture 10">
+          <p:cNvPr id="7" name="Picture 6">
             <a:extLst>
               <a:ext uri="{FF2B5EF4-FFF2-40B4-BE49-F238E27FC236}">
-                <a16:creationId xmlns:a16="http://schemas.microsoft.com/office/drawing/2014/main" id="{17674BF4-495C-48D9-A879-6AD6E364DAB5}"/>
+                <a16:creationId xmlns:a16="http://schemas.microsoft.com/office/drawing/2014/main" id="{E64911EE-8B61-451A-B56B-8F3B58FA1E81}"/>
               </a:ext>
             </a:extLst>
           </p:cNvPr>
@@ -5060,8 +5351,8 @@
         </p:blipFill>
         <p:spPr>
           <a:xfrm>
-            <a:off x="2914364" y="3909972"/>
-            <a:ext cx="5870104" cy="2481453"/>
+            <a:off x="2590800" y="3900589"/>
+            <a:ext cx="5638997" cy="2344212"/>
           </a:xfrm>
           <a:prstGeom prst="rect">
             <a:avLst/>
@@ -5446,8 +5737,8 @@
         </p:nvSpPr>
         <p:spPr>
           <a:xfrm>
-            <a:off x="5581103" y="4508304"/>
-            <a:ext cx="3168352" cy="642395"/>
+            <a:off x="3059832" y="4653136"/>
+            <a:ext cx="3384376" cy="832013"/>
           </a:xfrm>
           <a:prstGeom prst="rect">
             <a:avLst/>
@@ -5516,10 +5807,10 @@
       </p:grpSpPr>
       <p:pic>
         <p:nvPicPr>
-          <p:cNvPr id="10" name="Picture 9">
+          <p:cNvPr id="11" name="Picture 10">
             <a:extLst>
               <a:ext uri="{FF2B5EF4-FFF2-40B4-BE49-F238E27FC236}">
-                <a16:creationId xmlns:a16="http://schemas.microsoft.com/office/drawing/2014/main" id="{E8D71E4D-FB80-4176-A2F5-82039B3F1C4E}"/>
+                <a16:creationId xmlns:a16="http://schemas.microsoft.com/office/drawing/2014/main" id="{11F8923B-F32B-48CF-8A2B-801B48C7A65F}"/>
               </a:ext>
             </a:extLst>
           </p:cNvPr>
@@ -5536,8 +5827,8 @@
         </p:blipFill>
         <p:spPr>
           <a:xfrm>
-            <a:off x="2734344" y="3668861"/>
-            <a:ext cx="5870104" cy="2481453"/>
+            <a:off x="1907704" y="4005992"/>
+            <a:ext cx="5638997" cy="2344212"/>
           </a:xfrm>
           <a:prstGeom prst="rect">
             <a:avLst/>
@@ -5855,8 +6146,8 @@
         </p:nvSpPr>
         <p:spPr>
           <a:xfrm>
-            <a:off x="6012160" y="4437112"/>
-            <a:ext cx="2160240" cy="432048"/>
+            <a:off x="2699791" y="5805264"/>
+            <a:ext cx="3834399" cy="216024"/>
           </a:xfrm>
           <a:prstGeom prst="rect">
             <a:avLst/>
@@ -6170,10 +6461,10 @@
       </p:sp>
       <p:pic>
         <p:nvPicPr>
-          <p:cNvPr id="8" name="Picture 7">
+          <p:cNvPr id="9" name="Picture 8">
             <a:extLst>
               <a:ext uri="{FF2B5EF4-FFF2-40B4-BE49-F238E27FC236}">
-                <a16:creationId xmlns:a16="http://schemas.microsoft.com/office/drawing/2014/main" id="{D5DD2849-2E40-47D1-AD45-E028FC0E3298}"/>
+                <a16:creationId xmlns:a16="http://schemas.microsoft.com/office/drawing/2014/main" id="{F9553FF3-7D1E-4C7D-BAC3-216F69B77DDC}"/>
               </a:ext>
             </a:extLst>
           </p:cNvPr>
@@ -6190,8 +6481,8 @@
         </p:blipFill>
         <p:spPr>
           <a:xfrm>
-            <a:off x="2483768" y="3795964"/>
-            <a:ext cx="5870104" cy="2481453"/>
+            <a:off x="1907704" y="4005992"/>
+            <a:ext cx="5638997" cy="2344212"/>
           </a:xfrm>
           <a:prstGeom prst="rect">
             <a:avLst/>
@@ -6233,6 +6524,41 @@
           <a:chExt cx="0" cy="0"/>
         </a:xfrm>
       </p:grpSpPr>
+      <p:pic>
+        <p:nvPicPr>
+          <p:cNvPr id="10" name="Picture 9">
+            <a:extLst>
+              <a:ext uri="{FF2B5EF4-FFF2-40B4-BE49-F238E27FC236}">
+                <a16:creationId xmlns:a16="http://schemas.microsoft.com/office/drawing/2014/main" id="{14055C98-582C-40D4-A8F1-3E05D74562C6}"/>
+              </a:ext>
+            </a:extLst>
+          </p:cNvPr>
+          <p:cNvPicPr>
+            <a:picLocks noChangeAspect="1"/>
+          </p:cNvPicPr>
+          <p:nvPr/>
+        </p:nvPicPr>
+        <p:blipFill>
+          <a:blip r:embed="rId2"/>
+          <a:stretch>
+            <a:fillRect/>
+          </a:stretch>
+        </p:blipFill>
+        <p:spPr>
+          <a:xfrm>
+            <a:off x="2578232" y="3938220"/>
+            <a:ext cx="5638997" cy="2344212"/>
+          </a:xfrm>
+          <a:prstGeom prst="rect">
+            <a:avLst/>
+          </a:prstGeom>
+          <a:ln>
+            <a:solidFill>
+              <a:srgbClr val="C00000"/>
+            </a:solidFill>
+          </a:ln>
+        </p:spPr>
+      </p:pic>
       <p:sp>
         <p:nvSpPr>
           <p:cNvPr id="2" name="標題 1"/>
@@ -6482,7 +6808,7 @@
             <a:pPr marL="0" lvl="1"/>
             <a:r>
               <a:rPr lang="en-US" sz="1600" dirty="0">
-                <a:hlinkClick r:id="rId2"/>
+                <a:hlinkClick r:id="rId3"/>
               </a:rPr>
               <a:t>https://www.youtube.com/watch?v=UpssHYl6bjA&amp;list=PL6gx4Cwl9DGBlmzzFcLgDhKTTfNLfX1IK&amp;index=7</a:t>
             </a:r>
@@ -6548,41 +6874,6 @@
           </a:p>
         </p:txBody>
       </p:sp>
-      <p:pic>
-        <p:nvPicPr>
-          <p:cNvPr id="7" name="Picture 6">
-            <a:extLst>
-              <a:ext uri="{FF2B5EF4-FFF2-40B4-BE49-F238E27FC236}">
-                <a16:creationId xmlns:a16="http://schemas.microsoft.com/office/drawing/2014/main" id="{0BAEEFD7-EB2B-47D0-904F-ADE1E89CAC57}"/>
-              </a:ext>
-            </a:extLst>
-          </p:cNvPr>
-          <p:cNvPicPr>
-            <a:picLocks noChangeAspect="1"/>
-          </p:cNvPicPr>
-          <p:nvPr/>
-        </p:nvPicPr>
-        <p:blipFill>
-          <a:blip r:embed="rId3"/>
-          <a:stretch>
-            <a:fillRect/>
-          </a:stretch>
-        </p:blipFill>
-        <p:spPr>
-          <a:xfrm>
-            <a:off x="2915816" y="4149080"/>
-            <a:ext cx="5486400" cy="2428875"/>
-          </a:xfrm>
-          <a:prstGeom prst="rect">
-            <a:avLst/>
-          </a:prstGeom>
-          <a:ln>
-            <a:solidFill>
-              <a:srgbClr val="C00000"/>
-            </a:solidFill>
-          </a:ln>
-        </p:spPr>
-      </p:pic>
       <p:sp>
         <p:nvSpPr>
           <p:cNvPr id="9" name="Rectangle 8">
@@ -6597,8 +6888,8 @@
         </p:nvSpPr>
         <p:spPr>
           <a:xfrm>
-            <a:off x="3419872" y="4787454"/>
-            <a:ext cx="2160240" cy="432048"/>
+            <a:off x="3347864" y="4787453"/>
+            <a:ext cx="2880320" cy="697695"/>
           </a:xfrm>
           <a:prstGeom prst="rect">
             <a:avLst/>
@@ -6649,8 +6940,8 @@
         </p:nvSpPr>
         <p:spPr>
           <a:xfrm>
-            <a:off x="3472870" y="6059576"/>
-            <a:ext cx="4771537" cy="432048"/>
+            <a:off x="3275856" y="5741711"/>
+            <a:ext cx="3888432" cy="216024"/>
           </a:xfrm>
           <a:prstGeom prst="rect">
             <a:avLst/>
@@ -6717,6 +7008,41 @@
           <a:chExt cx="0" cy="0"/>
         </a:xfrm>
       </p:grpSpPr>
+      <p:pic>
+        <p:nvPicPr>
+          <p:cNvPr id="10" name="Picture 9">
+            <a:extLst>
+              <a:ext uri="{FF2B5EF4-FFF2-40B4-BE49-F238E27FC236}">
+                <a16:creationId xmlns:a16="http://schemas.microsoft.com/office/drawing/2014/main" id="{ABC02E4C-A8A0-48A2-85A1-28D8ED901EFB}"/>
+              </a:ext>
+            </a:extLst>
+          </p:cNvPr>
+          <p:cNvPicPr>
+            <a:picLocks noChangeAspect="1"/>
+          </p:cNvPicPr>
+          <p:nvPr/>
+        </p:nvPicPr>
+        <p:blipFill>
+          <a:blip r:embed="rId2"/>
+          <a:stretch>
+            <a:fillRect/>
+          </a:stretch>
+        </p:blipFill>
+        <p:spPr>
+          <a:xfrm>
+            <a:off x="2760613" y="4245970"/>
+            <a:ext cx="5638997" cy="2344212"/>
+          </a:xfrm>
+          <a:prstGeom prst="rect">
+            <a:avLst/>
+          </a:prstGeom>
+          <a:ln>
+            <a:solidFill>
+              <a:srgbClr val="C00000"/>
+            </a:solidFill>
+          </a:ln>
+        </p:spPr>
+      </p:pic>
       <p:sp>
         <p:nvSpPr>
           <p:cNvPr id="2" name="標題 1"/>
@@ -6964,7 +7290,7 @@
             <a:pPr marL="0" lvl="1"/>
             <a:r>
               <a:rPr lang="en-US" sz="1600" dirty="0">
-                <a:hlinkClick r:id="rId2"/>
+                <a:hlinkClick r:id="rId3"/>
               </a:rPr>
               <a:t>https://www.youtube.com/watch?v=UpssHYl6bjA&amp;list=PL6gx4Cwl9DGBlmzzFcLgDhKTTfNLfX1IK&amp;index=7</a:t>
             </a:r>
@@ -7030,41 +7356,6 @@
           </a:p>
         </p:txBody>
       </p:sp>
-      <p:pic>
-        <p:nvPicPr>
-          <p:cNvPr id="7" name="Picture 6">
-            <a:extLst>
-              <a:ext uri="{FF2B5EF4-FFF2-40B4-BE49-F238E27FC236}">
-                <a16:creationId xmlns:a16="http://schemas.microsoft.com/office/drawing/2014/main" id="{0BAEEFD7-EB2B-47D0-904F-ADE1E89CAC57}"/>
-              </a:ext>
-            </a:extLst>
-          </p:cNvPr>
-          <p:cNvPicPr>
-            <a:picLocks noChangeAspect="1"/>
-          </p:cNvPicPr>
-          <p:nvPr/>
-        </p:nvPicPr>
-        <p:blipFill>
-          <a:blip r:embed="rId3"/>
-          <a:stretch>
-            <a:fillRect/>
-          </a:stretch>
-        </p:blipFill>
-        <p:spPr>
-          <a:xfrm>
-            <a:off x="2915816" y="4149080"/>
-            <a:ext cx="5486400" cy="2428875"/>
-          </a:xfrm>
-          <a:prstGeom prst="rect">
-            <a:avLst/>
-          </a:prstGeom>
-          <a:ln>
-            <a:solidFill>
-              <a:srgbClr val="C00000"/>
-            </a:solidFill>
-          </a:ln>
-        </p:spPr>
-      </p:pic>
       <p:sp>
         <p:nvSpPr>
           <p:cNvPr id="9" name="Rectangle 8">
@@ -7079,8 +7370,8 @@
         </p:nvSpPr>
         <p:spPr>
           <a:xfrm>
-            <a:off x="3419872" y="4787454"/>
-            <a:ext cx="2160240" cy="432048"/>
+            <a:off x="3491880" y="5085183"/>
+            <a:ext cx="3061320" cy="736365"/>
           </a:xfrm>
           <a:prstGeom prst="rect">
             <a:avLst/>
@@ -7201,10 +7492,10 @@
       </p:grpSpPr>
       <p:pic>
         <p:nvPicPr>
-          <p:cNvPr id="8" name="Picture 7">
+          <p:cNvPr id="10" name="Picture 9">
             <a:extLst>
               <a:ext uri="{FF2B5EF4-FFF2-40B4-BE49-F238E27FC236}">
-                <a16:creationId xmlns:a16="http://schemas.microsoft.com/office/drawing/2014/main" id="{D126BB49-E0E3-4B1A-A0FB-D9B0BD6B697B}"/>
+                <a16:creationId xmlns:a16="http://schemas.microsoft.com/office/drawing/2014/main" id="{14055C98-582C-40D4-A8F1-3E05D74562C6}"/>
               </a:ext>
             </a:extLst>
           </p:cNvPr>
@@ -7221,8 +7512,8 @@
         </p:blipFill>
         <p:spPr>
           <a:xfrm>
-            <a:off x="1331640" y="2408668"/>
-            <a:ext cx="5924550" cy="2857500"/>
+            <a:off x="2578232" y="3938220"/>
+            <a:ext cx="5638997" cy="2344212"/>
           </a:xfrm>
           <a:prstGeom prst="rect">
             <a:avLst/>
@@ -7309,8 +7600,8 @@
         </p:nvSpPr>
         <p:spPr>
           <a:xfrm>
-            <a:off x="501534" y="1372853"/>
-            <a:ext cx="8102914" cy="832012"/>
+            <a:off x="501534" y="1372851"/>
+            <a:ext cx="8102914" cy="2272173"/>
           </a:xfrm>
           <a:ln>
             <a:solidFill>
@@ -7338,7 +7629,7 @@
                   <a:schemeClr val="tx1"/>
                 </a:solidFill>
               </a:rPr>
-              <a:t>Next is the file type. This can be the mp3, </a:t>
+              <a:t>What is the </a:t>
             </a:r>
             <a:r>
               <a:rPr lang="en-US" sz="1800" dirty="0" err="1">
@@ -7346,7 +7637,7 @@
                   <a:schemeClr val="tx1"/>
                 </a:solidFill>
               </a:rPr>
-              <a:t>avi</a:t>
+              <a:t>ForeignKey</a:t>
             </a:r>
             <a:r>
               <a:rPr lang="en-US" sz="1800" dirty="0">
@@ -7354,7 +7645,7 @@
                   <a:schemeClr val="tx1"/>
                 </a:solidFill>
               </a:rPr>
-              <a:t>, or wav.</a:t>
+              <a:t>? This is weird.</a:t>
             </a:r>
           </a:p>
           <a:p>
@@ -7372,39 +7663,61 @@
                   <a:schemeClr val="tx1"/>
                 </a:solidFill>
               </a:rPr>
-              <a:t>You have </a:t>
-            </a:r>
-            <a:r>
-              <a:rPr lang="en-US" sz="1800" dirty="0" err="1">
+              <a:t>Each song is gong to be linked to an album. In the album Red, we have the primary key of one, for example.</a:t>
+            </a:r>
+          </a:p>
+          <a:p>
+            <a:pPr marL="342900" indent="-342900" algn="l">
+              <a:buClr>
+                <a:srgbClr val="0070C0"/>
+              </a:buClr>
+              <a:buSzPct val="80000"/>
+              <a:buFont typeface="Wingdings" pitchFamily="2" charset="2"/>
+              <a:buChar char="u"/>
+            </a:pPr>
+            <a:r>
+              <a:rPr lang="en-US" sz="1800" dirty="0">
                 <a:solidFill>
                   <a:schemeClr val="tx1"/>
                 </a:solidFill>
               </a:rPr>
-              <a:t>have</a:t>
-            </a:r>
+              <a:t>Whenever we create a song, say Taylor Swift’s song, “I hate my boyfriend over and ever”, we need to link to an album.</a:t>
+            </a:r>
+          </a:p>
+          <a:p>
+            <a:pPr marL="342900" indent="-342900" algn="l">
+              <a:buClr>
+                <a:srgbClr val="0070C0"/>
+              </a:buClr>
+              <a:buSzPct val="80000"/>
+              <a:buFont typeface="Wingdings" pitchFamily="2" charset="2"/>
+              <a:buChar char="u"/>
+            </a:pPr>
             <a:r>
               <a:rPr lang="en-US" sz="1800" dirty="0">
                 <a:solidFill>
                   <a:schemeClr val="tx1"/>
                 </a:solidFill>
               </a:rPr>
-              <a:t> the </a:t>
-            </a:r>
-            <a:r>
-              <a:rPr lang="en-US" sz="1800" dirty="0" err="1">
+              <a:t>The foreign key for this song is just going to be primary key one.</a:t>
+            </a:r>
+          </a:p>
+          <a:p>
+            <a:pPr marL="342900" indent="-342900" algn="l">
+              <a:buClr>
+                <a:srgbClr val="0070C0"/>
+              </a:buClr>
+              <a:buSzPct val="80000"/>
+              <a:buFont typeface="Wingdings" pitchFamily="2" charset="2"/>
+              <a:buChar char="u"/>
+            </a:pPr>
+            <a:r>
+              <a:rPr lang="en-US" sz="1800" dirty="0">
                 <a:solidFill>
                   <a:schemeClr val="tx1"/>
                 </a:solidFill>
               </a:rPr>
-              <a:t>song_title</a:t>
-            </a:r>
-            <a:r>
-              <a:rPr lang="en-US" sz="1800" dirty="0">
-                <a:solidFill>
-                  <a:schemeClr val="tx1"/>
-                </a:solidFill>
-              </a:rPr>
-              <a:t>.</a:t>
+              <a:t>We know that this song is linked to album primary key one which is “Red”.</a:t>
             </a:r>
           </a:p>
         </p:txBody>
@@ -7529,10 +7842,10 @@
       </p:sp>
       <p:sp>
         <p:nvSpPr>
-          <p:cNvPr id="13" name="Rectangle 12">
+          <p:cNvPr id="9" name="Rectangle 8">
             <a:extLst>
               <a:ext uri="{FF2B5EF4-FFF2-40B4-BE49-F238E27FC236}">
-                <a16:creationId xmlns:a16="http://schemas.microsoft.com/office/drawing/2014/main" id="{BE574841-A0CB-4830-9D5E-B061EB5165AB}"/>
+                <a16:creationId xmlns:a16="http://schemas.microsoft.com/office/drawing/2014/main" id="{0315F707-4082-49DA-B898-ADF5BD5C2497}"/>
               </a:ext>
             </a:extLst>
           </p:cNvPr>
@@ -7541,8 +7854,8 @@
         </p:nvSpPr>
         <p:spPr>
           <a:xfrm>
-            <a:off x="2186231" y="4753135"/>
-            <a:ext cx="4978057" cy="513032"/>
+            <a:off x="3347864" y="4787453"/>
+            <a:ext cx="2880320" cy="697695"/>
           </a:xfrm>
           <a:prstGeom prst="rect">
             <a:avLst/>
@@ -7579,10 +7892,62 @@
           </a:p>
         </p:txBody>
       </p:sp>
+      <p:sp>
+        <p:nvSpPr>
+          <p:cNvPr id="13" name="Rectangle 12">
+            <a:extLst>
+              <a:ext uri="{FF2B5EF4-FFF2-40B4-BE49-F238E27FC236}">
+                <a16:creationId xmlns:a16="http://schemas.microsoft.com/office/drawing/2014/main" id="{BE574841-A0CB-4830-9D5E-B061EB5165AB}"/>
+              </a:ext>
+            </a:extLst>
+          </p:cNvPr>
+          <p:cNvSpPr/>
+          <p:nvPr/>
+        </p:nvSpPr>
+        <p:spPr>
+          <a:xfrm>
+            <a:off x="3275856" y="5741711"/>
+            <a:ext cx="3888432" cy="216024"/>
+          </a:xfrm>
+          <a:prstGeom prst="rect">
+            <a:avLst/>
+          </a:prstGeom>
+          <a:noFill/>
+          <a:ln>
+            <a:solidFill>
+              <a:srgbClr val="C00000"/>
+            </a:solidFill>
+          </a:ln>
+        </p:spPr>
+        <p:style>
+          <a:lnRef idx="2">
+            <a:schemeClr val="accent1">
+              <a:shade val="50000"/>
+            </a:schemeClr>
+          </a:lnRef>
+          <a:fillRef idx="1">
+            <a:schemeClr val="accent1"/>
+          </a:fillRef>
+          <a:effectRef idx="0">
+            <a:schemeClr val="accent1"/>
+          </a:effectRef>
+          <a:fontRef idx="minor">
+            <a:schemeClr val="lt1"/>
+          </a:fontRef>
+        </p:style>
+        <p:txBody>
+          <a:bodyPr rtlCol="0" anchor="ctr"/>
+          <a:lstStyle/>
+          <a:p>
+            <a:pPr algn="ctr"/>
+            <a:endParaRPr lang="en-US"/>
+          </a:p>
+        </p:txBody>
+      </p:sp>
     </p:spTree>
     <p:extLst>
       <p:ext uri="{BB962C8B-B14F-4D97-AF65-F5344CB8AC3E}">
-        <p14:creationId xmlns:p14="http://schemas.microsoft.com/office/powerpoint/2010/main" val="1005861437"/>
+        <p14:creationId xmlns:p14="http://schemas.microsoft.com/office/powerpoint/2010/main" val="2334771420"/>
       </p:ext>
     </p:extLst>
   </p:cSld>

--- a/07_DataModel/07_DataModel.pptx
+++ b/07_DataModel/07_DataModel.pptx
@@ -220,7 +220,7 @@
             <a:fld id="{6837EDA8-41C8-4B24-A206-13C08A65A6D7}" type="datetimeFigureOut">
               <a:rPr lang="zh-TW" altLang="en-US" smtClean="0"/>
               <a:pPr/>
-              <a:t>2019/5/24</a:t>
+              <a:t>2019/5/28</a:t>
             </a:fld>
             <a:endParaRPr lang="zh-TW" altLang="en-US"/>
           </a:p>
@@ -673,7 +673,7 @@
             <a:fld id="{8B85509C-BD4F-47BF-9B1E-FC2E949B3621}" type="datetime1">
               <a:rPr lang="zh-TW" altLang="en-US" smtClean="0"/>
               <a:pPr/>
-              <a:t>2019/5/24</a:t>
+              <a:t>2019/5/28</a:t>
             </a:fld>
             <a:endParaRPr lang="zh-TW" altLang="en-US"/>
           </a:p>
@@ -846,7 +846,7 @@
             <a:fld id="{42251B24-F787-4C15-8A0F-7AEC20C70069}" type="datetime1">
               <a:rPr lang="zh-TW" altLang="en-US" smtClean="0"/>
               <a:pPr/>
-              <a:t>2019/5/24</a:t>
+              <a:t>2019/5/28</a:t>
             </a:fld>
             <a:endParaRPr lang="zh-TW" altLang="en-US"/>
           </a:p>
@@ -1021,7 +1021,7 @@
             <a:fld id="{9CA0D33C-CE2B-45F1-B8D4-FFD1F131F331}" type="datetime1">
               <a:rPr lang="zh-TW" altLang="en-US" smtClean="0"/>
               <a:pPr/>
-              <a:t>2019/5/24</a:t>
+              <a:t>2019/5/28</a:t>
             </a:fld>
             <a:endParaRPr lang="zh-TW" altLang="en-US"/>
           </a:p>
@@ -1186,7 +1186,7 @@
             <a:fld id="{50B99440-D9EF-40CC-9B52-F6428D9B2C76}" type="datetime1">
               <a:rPr lang="zh-TW" altLang="en-US" smtClean="0"/>
               <a:pPr/>
-              <a:t>2019/5/24</a:t>
+              <a:t>2019/5/28</a:t>
             </a:fld>
             <a:endParaRPr lang="zh-TW" altLang="en-US"/>
           </a:p>
@@ -1428,7 +1428,7 @@
             <a:fld id="{0871BF52-5C6C-4959-8E27-CECB68D39FE4}" type="datetime1">
               <a:rPr lang="zh-TW" altLang="en-US" smtClean="0"/>
               <a:pPr/>
-              <a:t>2019/5/24</a:t>
+              <a:t>2019/5/28</a:t>
             </a:fld>
             <a:endParaRPr lang="zh-TW" altLang="en-US"/>
           </a:p>
@@ -1710,7 +1710,7 @@
             <a:fld id="{DF863F05-2DD9-4EB1-A827-12FD992DE9DC}" type="datetime1">
               <a:rPr lang="zh-TW" altLang="en-US" smtClean="0"/>
               <a:pPr/>
-              <a:t>2019/5/24</a:t>
+              <a:t>2019/5/28</a:t>
             </a:fld>
             <a:endParaRPr lang="zh-TW" altLang="en-US"/>
           </a:p>
@@ -2126,7 +2126,7 @@
             <a:fld id="{6339AF51-4491-4873-A096-75DB6CE47516}" type="datetime1">
               <a:rPr lang="zh-TW" altLang="en-US" smtClean="0"/>
               <a:pPr/>
-              <a:t>2019/5/24</a:t>
+              <a:t>2019/5/28</a:t>
             </a:fld>
             <a:endParaRPr lang="zh-TW" altLang="en-US"/>
           </a:p>
@@ -2240,7 +2240,7 @@
             <a:fld id="{EE4AD9C8-8B9E-40FF-ABE2-858AC2057BBB}" type="datetime1">
               <a:rPr lang="zh-TW" altLang="en-US" smtClean="0"/>
               <a:pPr/>
-              <a:t>2019/5/24</a:t>
+              <a:t>2019/5/28</a:t>
             </a:fld>
             <a:endParaRPr lang="zh-TW" altLang="en-US"/>
           </a:p>
@@ -2332,7 +2332,7 @@
             <a:fld id="{B4784999-BBBE-4BE4-A8D0-877E7D1D66CC}" type="datetime1">
               <a:rPr lang="zh-TW" altLang="en-US" smtClean="0"/>
               <a:pPr/>
-              <a:t>2019/5/24</a:t>
+              <a:t>2019/5/28</a:t>
             </a:fld>
             <a:endParaRPr lang="zh-TW" altLang="en-US"/>
           </a:p>
@@ -2604,7 +2604,7 @@
             <a:fld id="{E88D17E6-02BD-4944-B9FE-7BFCCBF83D48}" type="datetime1">
               <a:rPr lang="zh-TW" altLang="en-US" smtClean="0"/>
               <a:pPr/>
-              <a:t>2019/5/24</a:t>
+              <a:t>2019/5/28</a:t>
             </a:fld>
             <a:endParaRPr lang="zh-TW" altLang="en-US"/>
           </a:p>
@@ -2853,7 +2853,7 @@
             <a:fld id="{3C13E23D-1FEF-4D78-A3A3-3D6F2BB31954}" type="datetime1">
               <a:rPr lang="zh-TW" altLang="en-US" smtClean="0"/>
               <a:pPr/>
-              <a:t>2019/5/24</a:t>
+              <a:t>2019/5/28</a:t>
             </a:fld>
             <a:endParaRPr lang="zh-TW" altLang="en-US"/>
           </a:p>
@@ -3061,7 +3061,7 @@
             <a:fld id="{06197F35-AD6F-4594-8B50-334492D2E7E8}" type="datetime1">
               <a:rPr lang="zh-TW" altLang="en-US" smtClean="0"/>
               <a:pPr/>
-              <a:t>2019/5/24</a:t>
+              <a:t>2019/5/28</a:t>
             </a:fld>
             <a:endParaRPr lang="zh-TW" altLang="en-US"/>
           </a:p>
@@ -3522,7 +3522,7 @@
             <a:fld id="{C389EDC9-19E3-47AC-9C57-C6A24DEA81AD}" type="datetime1">
               <a:rPr lang="zh-TW" altLang="en-US" smtClean="0"/>
               <a:pPr/>
-              <a:t>2019/5/24</a:t>
+              <a:t>2019/5/28</a:t>
             </a:fld>
             <a:endParaRPr lang="zh-TW" altLang="en-US"/>
           </a:p>
@@ -3884,7 +3884,7 @@
             <a:fld id="{A4F910E6-8D00-4BAF-8C48-9688E0B449D3}" type="datetime1">
               <a:rPr lang="zh-TW" altLang="en-US" smtClean="0"/>
               <a:pPr/>
-              <a:t>2019/5/24</a:t>
+              <a:t>2019/5/28</a:t>
             </a:fld>
             <a:endParaRPr lang="zh-TW" altLang="en-US"/>
           </a:p>
@@ -4246,7 +4246,7 @@
             <a:fld id="{A4F910E6-8D00-4BAF-8C48-9688E0B449D3}" type="datetime1">
               <a:rPr lang="zh-TW" altLang="en-US" smtClean="0"/>
               <a:pPr/>
-              <a:t>2019/5/24</a:t>
+              <a:t>2019/5/28</a:t>
             </a:fld>
             <a:endParaRPr lang="zh-TW" altLang="en-US"/>
           </a:p>
@@ -4393,7 +4393,7 @@
             <a:fld id="{4E46BE27-E923-4EC2-B046-3272AE2A3E5C}" type="datetime1">
               <a:rPr lang="zh-TW" altLang="en-US" smtClean="0"/>
               <a:pPr/>
-              <a:t>2019/5/24</a:t>
+              <a:t>2019/5/28</a:t>
             </a:fld>
             <a:endParaRPr lang="zh-TW" altLang="en-US"/>
           </a:p>
@@ -4552,7 +4552,23 @@
                   <a:schemeClr val="tx1"/>
                 </a:solidFill>
               </a:rPr>
-              <a:t>This section discusses Views of Django.</a:t>
+              <a:t>This section discusses </a:t>
+            </a:r>
+            <a:r>
+              <a:rPr lang="en-US" sz="1800">
+                <a:solidFill>
+                  <a:schemeClr val="tx1"/>
+                </a:solidFill>
+              </a:rPr>
+              <a:t>Data Model </a:t>
+            </a:r>
+            <a:r>
+              <a:rPr lang="en-US" sz="1800" dirty="0">
+                <a:solidFill>
+                  <a:schemeClr val="tx1"/>
+                </a:solidFill>
+              </a:rPr>
+              <a:t>of Django.</a:t>
             </a:r>
           </a:p>
           <a:p>
@@ -4899,7 +4915,7 @@
             <a:fld id="{A4F910E6-8D00-4BAF-8C48-9688E0B449D3}" type="datetime1">
               <a:rPr lang="zh-TW" altLang="en-US" smtClean="0"/>
               <a:pPr/>
-              <a:t>2019/5/24</a:t>
+              <a:t>2019/5/28</a:t>
             </a:fld>
             <a:endParaRPr lang="zh-TW" altLang="en-US"/>
           </a:p>
@@ -5264,7 +5280,7 @@
             <a:fld id="{A4F910E6-8D00-4BAF-8C48-9688E0B449D3}" type="datetime1">
               <a:rPr lang="zh-TW" altLang="en-US" smtClean="0"/>
               <a:pPr/>
-              <a:t>2019/5/24</a:t>
+              <a:t>2019/5/28</a:t>
             </a:fld>
             <a:endParaRPr lang="zh-TW" altLang="en-US"/>
           </a:p>
@@ -5688,7 +5704,7 @@
             <a:fld id="{A4F910E6-8D00-4BAF-8C48-9688E0B449D3}" type="datetime1">
               <a:rPr lang="zh-TW" altLang="en-US" smtClean="0"/>
               <a:pPr/>
-              <a:t>2019/5/24</a:t>
+              <a:t>2019/5/28</a:t>
             </a:fld>
             <a:endParaRPr lang="zh-TW" altLang="en-US"/>
           </a:p>
@@ -6097,7 +6113,7 @@
             <a:fld id="{A4F910E6-8D00-4BAF-8C48-9688E0B449D3}" type="datetime1">
               <a:rPr lang="zh-TW" altLang="en-US" smtClean="0"/>
               <a:pPr/>
-              <a:t>2019/5/24</a:t>
+              <a:t>2019/5/28</a:t>
             </a:fld>
             <a:endParaRPr lang="zh-TW" altLang="en-US"/>
           </a:p>
@@ -6424,7 +6440,7 @@
             <a:fld id="{A4F910E6-8D00-4BAF-8C48-9688E0B449D3}" type="datetime1">
               <a:rPr lang="zh-TW" altLang="en-US" smtClean="0"/>
               <a:pPr/>
-              <a:t>2019/5/24</a:t>
+              <a:t>2019/5/28</a:t>
             </a:fld>
             <a:endParaRPr lang="zh-TW" altLang="en-US"/>
           </a:p>
@@ -6839,7 +6855,7 @@
             <a:fld id="{A4F910E6-8D00-4BAF-8C48-9688E0B449D3}" type="datetime1">
               <a:rPr lang="zh-TW" altLang="en-US" smtClean="0"/>
               <a:pPr/>
-              <a:t>2019/5/24</a:t>
+              <a:t>2019/5/28</a:t>
             </a:fld>
             <a:endParaRPr lang="zh-TW" altLang="en-US"/>
           </a:p>
@@ -7321,7 +7337,7 @@
             <a:fld id="{A4F910E6-8D00-4BAF-8C48-9688E0B449D3}" type="datetime1">
               <a:rPr lang="zh-TW" altLang="en-US" smtClean="0"/>
               <a:pPr/>
-              <a:t>2019/5/24</a:t>
+              <a:t>2019/5/28</a:t>
             </a:fld>
             <a:endParaRPr lang="zh-TW" altLang="en-US"/>
           </a:p>
@@ -7805,7 +7821,7 @@
             <a:fld id="{A4F910E6-8D00-4BAF-8C48-9688E0B449D3}" type="datetime1">
               <a:rPr lang="zh-TW" altLang="en-US" smtClean="0"/>
               <a:pPr/>
-              <a:t>2019/5/24</a:t>
+              <a:t>2019/5/28</a:t>
             </a:fld>
             <a:endParaRPr lang="zh-TW" altLang="en-US"/>
           </a:p>
